--- a/Presentation1.pptx
+++ b/Presentation1.pptx
@@ -6,7 +6,9 @@
   </p:sldMasterIdLst>
   <p:sldIdLst>
     <p:sldId id="256" r:id="rId2"/>
-    <p:sldId id="257" r:id="rId3"/>
+    <p:sldId id="258" r:id="rId3"/>
+    <p:sldId id="257" r:id="rId4"/>
+    <p:sldId id="259" r:id="rId5"/>
   </p:sldIdLst>
   <p:sldSz cx="12192000" cy="6858000"/>
   <p:notesSz cx="6858000" cy="9144000"/>
@@ -105,6 +107,11 @@
       </a:defRPr>
     </a:lvl9pPr>
   </p:defaultTextStyle>
+  <p:extLst>
+    <p:ext uri="{EFAFB233-063F-42B5-8137-9DF3F51BA10A}">
+      <p15:sldGuideLst xmlns:p15="http://schemas.microsoft.com/office/powerpoint/2012/main"/>
+    </p:ext>
+  </p:extLst>
 </p:presentation>
 </file>
 
@@ -257,7 +264,7 @@
           <a:p>
             <a:fld id="{E56C0AFB-BE8B-4351-AA13-0CFB594C1B50}" type="datetimeFigureOut">
               <a:rPr lang="en-GB" smtClean="0"/>
-              <a:t>07/01/2026</a:t>
+              <a:t>09/01/2026</a:t>
             </a:fld>
             <a:endParaRPr lang="en-GB"/>
           </a:p>
@@ -457,7 +464,7 @@
           <a:p>
             <a:fld id="{E56C0AFB-BE8B-4351-AA13-0CFB594C1B50}" type="datetimeFigureOut">
               <a:rPr lang="en-GB" smtClean="0"/>
-              <a:t>07/01/2026</a:t>
+              <a:t>09/01/2026</a:t>
             </a:fld>
             <a:endParaRPr lang="en-GB"/>
           </a:p>
@@ -667,7 +674,7 @@
           <a:p>
             <a:fld id="{E56C0AFB-BE8B-4351-AA13-0CFB594C1B50}" type="datetimeFigureOut">
               <a:rPr lang="en-GB" smtClean="0"/>
-              <a:t>07/01/2026</a:t>
+              <a:t>09/01/2026</a:t>
             </a:fld>
             <a:endParaRPr lang="en-GB"/>
           </a:p>
@@ -867,7 +874,7 @@
           <a:p>
             <a:fld id="{E56C0AFB-BE8B-4351-AA13-0CFB594C1B50}" type="datetimeFigureOut">
               <a:rPr lang="en-GB" smtClean="0"/>
-              <a:t>07/01/2026</a:t>
+              <a:t>09/01/2026</a:t>
             </a:fld>
             <a:endParaRPr lang="en-GB"/>
           </a:p>
@@ -1143,7 +1150,7 @@
           <a:p>
             <a:fld id="{E56C0AFB-BE8B-4351-AA13-0CFB594C1B50}" type="datetimeFigureOut">
               <a:rPr lang="en-GB" smtClean="0"/>
-              <a:t>07/01/2026</a:t>
+              <a:t>09/01/2026</a:t>
             </a:fld>
             <a:endParaRPr lang="en-GB"/>
           </a:p>
@@ -1411,7 +1418,7 @@
           <a:p>
             <a:fld id="{E56C0AFB-BE8B-4351-AA13-0CFB594C1B50}" type="datetimeFigureOut">
               <a:rPr lang="en-GB" smtClean="0"/>
-              <a:t>07/01/2026</a:t>
+              <a:t>09/01/2026</a:t>
             </a:fld>
             <a:endParaRPr lang="en-GB"/>
           </a:p>
@@ -1826,7 +1833,7 @@
           <a:p>
             <a:fld id="{E56C0AFB-BE8B-4351-AA13-0CFB594C1B50}" type="datetimeFigureOut">
               <a:rPr lang="en-GB" smtClean="0"/>
-              <a:t>07/01/2026</a:t>
+              <a:t>09/01/2026</a:t>
             </a:fld>
             <a:endParaRPr lang="en-GB"/>
           </a:p>
@@ -1968,7 +1975,7 @@
           <a:p>
             <a:fld id="{E56C0AFB-BE8B-4351-AA13-0CFB594C1B50}" type="datetimeFigureOut">
               <a:rPr lang="en-GB" smtClean="0"/>
-              <a:t>07/01/2026</a:t>
+              <a:t>09/01/2026</a:t>
             </a:fld>
             <a:endParaRPr lang="en-GB"/>
           </a:p>
@@ -2081,7 +2088,7 @@
           <a:p>
             <a:fld id="{E56C0AFB-BE8B-4351-AA13-0CFB594C1B50}" type="datetimeFigureOut">
               <a:rPr lang="en-GB" smtClean="0"/>
-              <a:t>07/01/2026</a:t>
+              <a:t>09/01/2026</a:t>
             </a:fld>
             <a:endParaRPr lang="en-GB"/>
           </a:p>
@@ -2394,7 +2401,7 @@
           <a:p>
             <a:fld id="{E56C0AFB-BE8B-4351-AA13-0CFB594C1B50}" type="datetimeFigureOut">
               <a:rPr lang="en-GB" smtClean="0"/>
-              <a:t>07/01/2026</a:t>
+              <a:t>09/01/2026</a:t>
             </a:fld>
             <a:endParaRPr lang="en-GB"/>
           </a:p>
@@ -2683,7 +2690,7 @@
           <a:p>
             <a:fld id="{E56C0AFB-BE8B-4351-AA13-0CFB594C1B50}" type="datetimeFigureOut">
               <a:rPr lang="en-GB" smtClean="0"/>
-              <a:t>07/01/2026</a:t>
+              <a:t>09/01/2026</a:t>
             </a:fld>
             <a:endParaRPr lang="en-GB"/>
           </a:p>
@@ -2926,7 +2933,7 @@
           <a:p>
             <a:fld id="{E56C0AFB-BE8B-4351-AA13-0CFB594C1B50}" type="datetimeFigureOut">
               <a:rPr lang="en-GB" smtClean="0"/>
-              <a:t>07/01/2026</a:t>
+              <a:t>09/01/2026</a:t>
             </a:fld>
             <a:endParaRPr lang="en-GB"/>
           </a:p>
@@ -3428,6 +3435,97 @@
           <p:cNvPr id="2" name="Title 1">
             <a:extLst>
               <a:ext uri="{FF2B5EF4-FFF2-40B4-BE49-F238E27FC236}">
+                <a16:creationId xmlns:a16="http://schemas.microsoft.com/office/drawing/2014/main" id="{C3D7426C-E5D3-875C-666C-DB0DED2334B9}"/>
+              </a:ext>
+            </a:extLst>
+          </p:cNvPr>
+          <p:cNvSpPr>
+            <a:spLocks noGrp="1"/>
+          </p:cNvSpPr>
+          <p:nvPr>
+            <p:ph type="title"/>
+          </p:nvPr>
+        </p:nvSpPr>
+        <p:spPr>
+          <a:xfrm>
+            <a:off x="831850" y="1709739"/>
+            <a:ext cx="10515600" cy="1262061"/>
+          </a:xfrm>
+        </p:spPr>
+        <p:txBody>
+          <a:bodyPr/>
+          <a:lstStyle/>
+          <a:p>
+            <a:r>
+              <a:rPr lang="en-GB" dirty="0"/>
+              <a:t>Design Stage</a:t>
+            </a:r>
+          </a:p>
+        </p:txBody>
+      </p:sp>
+      <p:sp>
+        <p:nvSpPr>
+          <p:cNvPr id="3" name="Text Placeholder 2">
+            <a:extLst>
+              <a:ext uri="{FF2B5EF4-FFF2-40B4-BE49-F238E27FC236}">
+                <a16:creationId xmlns:a16="http://schemas.microsoft.com/office/drawing/2014/main" id="{4B94D507-BD44-F919-C228-5EFDCEC7B7F2}"/>
+              </a:ext>
+            </a:extLst>
+          </p:cNvPr>
+          <p:cNvSpPr>
+            <a:spLocks noGrp="1"/>
+          </p:cNvSpPr>
+          <p:nvPr>
+            <p:ph type="body" idx="1"/>
+          </p:nvPr>
+        </p:nvSpPr>
+        <p:spPr/>
+        <p:txBody>
+          <a:bodyPr/>
+          <a:lstStyle/>
+          <a:p>
+            <a:r>
+              <a:rPr lang="en-GB" dirty="0"/>
+              <a:t>How the player interacts with the game (UI – information displayed, navigating different screens and character controls), How different entities spawn and function as well as how the camera works.</a:t>
+            </a:r>
+          </a:p>
+        </p:txBody>
+      </p:sp>
+    </p:spTree>
+    <p:extLst>
+      <p:ext uri="{BB962C8B-B14F-4D97-AF65-F5344CB8AC3E}">
+        <p14:creationId xmlns:p14="http://schemas.microsoft.com/office/powerpoint/2010/main" val="2732250264"/>
+      </p:ext>
+    </p:extLst>
+  </p:cSld>
+  <p:clrMapOvr>
+    <a:masterClrMapping/>
+  </p:clrMapOvr>
+</p:sld>
+</file>
+
+<file path=ppt/slides/slide3.xml><?xml version="1.0" encoding="utf-8"?>
+<p:sld xmlns:a="http://schemas.openxmlformats.org/drawingml/2006/main" xmlns:r="http://schemas.openxmlformats.org/officeDocument/2006/relationships" xmlns:p="http://schemas.openxmlformats.org/presentationml/2006/main">
+  <p:cSld>
+    <p:spTree>
+      <p:nvGrpSpPr>
+        <p:cNvPr id="1" name=""/>
+        <p:cNvGrpSpPr/>
+        <p:nvPr/>
+      </p:nvGrpSpPr>
+      <p:grpSpPr>
+        <a:xfrm>
+          <a:off x="0" y="0"/>
+          <a:ext cx="0" cy="0"/>
+          <a:chOff x="0" y="0"/>
+          <a:chExt cx="0" cy="0"/>
+        </a:xfrm>
+      </p:grpSpPr>
+      <p:sp>
+        <p:nvSpPr>
+          <p:cNvPr id="2" name="Title 1">
+            <a:extLst>
+              <a:ext uri="{FF2B5EF4-FFF2-40B4-BE49-F238E27FC236}">
                 <a16:creationId xmlns:a16="http://schemas.microsoft.com/office/drawing/2014/main" id="{E4FD983E-4FAE-0EAB-A9BD-004EE960F364}"/>
               </a:ext>
             </a:extLst>
@@ -3492,7 +3590,16 @@
           <a:p>
             <a:r>
               <a:rPr lang="en-GB" dirty="0"/>
-              <a:t>Decided on theme – mix of fantasy and robots</a:t>
+              <a:t>Decided on theme – mix of fantasy and </a:t>
+            </a:r>
+          </a:p>
+          <a:p>
+            <a:pPr marL="0" indent="0">
+              <a:buNone/>
+            </a:pPr>
+            <a:r>
+              <a:rPr lang="en-GB" dirty="0"/>
+              <a:t>robots</a:t>
             </a:r>
           </a:p>
           <a:p>
@@ -3612,6 +3719,270 @@
     <p:extLst>
       <p:ext uri="{BB962C8B-B14F-4D97-AF65-F5344CB8AC3E}">
         <p14:creationId xmlns:p14="http://schemas.microsoft.com/office/powerpoint/2010/main" val="1342647708"/>
+      </p:ext>
+    </p:extLst>
+  </p:cSld>
+  <p:clrMapOvr>
+    <a:masterClrMapping/>
+  </p:clrMapOvr>
+</p:sld>
+</file>
+
+<file path=ppt/slides/slide4.xml><?xml version="1.0" encoding="utf-8"?>
+<p:sld xmlns:a="http://schemas.openxmlformats.org/drawingml/2006/main" xmlns:r="http://schemas.openxmlformats.org/officeDocument/2006/relationships" xmlns:p="http://schemas.openxmlformats.org/presentationml/2006/main">
+  <p:cSld>
+    <p:spTree>
+      <p:nvGrpSpPr>
+        <p:cNvPr id="1" name=""/>
+        <p:cNvGrpSpPr/>
+        <p:nvPr/>
+      </p:nvGrpSpPr>
+      <p:grpSpPr>
+        <a:xfrm>
+          <a:off x="0" y="0"/>
+          <a:ext cx="0" cy="0"/>
+          <a:chOff x="0" y="0"/>
+          <a:chExt cx="0" cy="0"/>
+        </a:xfrm>
+      </p:grpSpPr>
+      <p:sp>
+        <p:nvSpPr>
+          <p:cNvPr id="2" name="Title 1">
+            <a:extLst>
+              <a:ext uri="{FF2B5EF4-FFF2-40B4-BE49-F238E27FC236}">
+                <a16:creationId xmlns:a16="http://schemas.microsoft.com/office/drawing/2014/main" id="{E72E8809-0A76-AD20-4029-08161477934B}"/>
+              </a:ext>
+            </a:extLst>
+          </p:cNvPr>
+          <p:cNvSpPr>
+            <a:spLocks noGrp="1"/>
+          </p:cNvSpPr>
+          <p:nvPr>
+            <p:ph type="title"/>
+          </p:nvPr>
+        </p:nvSpPr>
+        <p:spPr/>
+        <p:txBody>
+          <a:bodyPr/>
+          <a:lstStyle/>
+          <a:p>
+            <a:r>
+              <a:rPr lang="en-GB" dirty="0"/>
+              <a:t>Development 09.01</a:t>
+            </a:r>
+          </a:p>
+        </p:txBody>
+      </p:sp>
+      <p:pic>
+        <p:nvPicPr>
+          <p:cNvPr id="13" name="Content Placeholder 12">
+            <a:extLst>
+              <a:ext uri="{FF2B5EF4-FFF2-40B4-BE49-F238E27FC236}">
+                <a16:creationId xmlns:a16="http://schemas.microsoft.com/office/drawing/2014/main" id="{96510379-1236-E422-5496-593D32AFDC23}"/>
+              </a:ext>
+            </a:extLst>
+          </p:cNvPr>
+          <p:cNvPicPr>
+            <a:picLocks noGrp="1" noChangeAspect="1"/>
+          </p:cNvPicPr>
+          <p:nvPr>
+            <p:ph idx="1"/>
+          </p:nvPr>
+        </p:nvPicPr>
+        <p:blipFill>
+          <a:blip r:embed="rId2">
+            <a:extLst>
+              <a:ext uri="{28A0092B-C50C-407E-A947-70E740481C1C}">
+                <a14:useLocalDpi xmlns:a14="http://schemas.microsoft.com/office/drawing/2010/main" val="0"/>
+              </a:ext>
+            </a:extLst>
+          </a:blip>
+          <a:stretch>
+            <a:fillRect/>
+          </a:stretch>
+        </p:blipFill>
+        <p:spPr>
+          <a:xfrm>
+            <a:off x="7296961" y="581891"/>
+            <a:ext cx="2382865" cy="3429001"/>
+          </a:xfrm>
+        </p:spPr>
+      </p:pic>
+      <p:pic>
+        <p:nvPicPr>
+          <p:cNvPr id="15" name="Picture 14">
+            <a:extLst>
+              <a:ext uri="{FF2B5EF4-FFF2-40B4-BE49-F238E27FC236}">
+                <a16:creationId xmlns:a16="http://schemas.microsoft.com/office/drawing/2014/main" id="{D4F25AE6-ED30-DD42-4966-81B6D99B9035}"/>
+              </a:ext>
+            </a:extLst>
+          </p:cNvPr>
+          <p:cNvPicPr>
+            <a:picLocks noChangeAspect="1"/>
+          </p:cNvPicPr>
+          <p:nvPr/>
+        </p:nvPicPr>
+        <p:blipFill>
+          <a:blip r:embed="rId3">
+            <a:extLst>
+              <a:ext uri="{28A0092B-C50C-407E-A947-70E740481C1C}">
+                <a14:useLocalDpi xmlns:a14="http://schemas.microsoft.com/office/drawing/2010/main" val="0"/>
+              </a:ext>
+            </a:extLst>
+          </a:blip>
+          <a:stretch>
+            <a:fillRect/>
+          </a:stretch>
+        </p:blipFill>
+        <p:spPr>
+          <a:xfrm>
+            <a:off x="9325381" y="3207325"/>
+            <a:ext cx="2382865" cy="3429001"/>
+          </a:xfrm>
+          <a:prstGeom prst="rect">
+            <a:avLst/>
+          </a:prstGeom>
+        </p:spPr>
+      </p:pic>
+      <p:pic>
+        <p:nvPicPr>
+          <p:cNvPr id="17" name="Picture 16">
+            <a:extLst>
+              <a:ext uri="{FF2B5EF4-FFF2-40B4-BE49-F238E27FC236}">
+                <a16:creationId xmlns:a16="http://schemas.microsoft.com/office/drawing/2014/main" id="{69625865-4BA7-6492-AFC8-9693FA52FBA3}"/>
+              </a:ext>
+            </a:extLst>
+          </p:cNvPr>
+          <p:cNvPicPr>
+            <a:picLocks noChangeAspect="1"/>
+          </p:cNvPicPr>
+          <p:nvPr/>
+        </p:nvPicPr>
+        <p:blipFill>
+          <a:blip r:embed="rId4">
+            <a:extLst>
+              <a:ext uri="{28A0092B-C50C-407E-A947-70E740481C1C}">
+                <a14:useLocalDpi xmlns:a14="http://schemas.microsoft.com/office/drawing/2010/main" val="0"/>
+              </a:ext>
+            </a:extLst>
+          </a:blip>
+          <a:stretch>
+            <a:fillRect/>
+          </a:stretch>
+        </p:blipFill>
+        <p:spPr>
+          <a:xfrm>
+            <a:off x="9502604" y="94815"/>
+            <a:ext cx="2382865" cy="3429000"/>
+          </a:xfrm>
+          <a:prstGeom prst="rect">
+            <a:avLst/>
+          </a:prstGeom>
+        </p:spPr>
+      </p:pic>
+      <p:sp>
+        <p:nvSpPr>
+          <p:cNvPr id="18" name="TextBox 17">
+            <a:extLst>
+              <a:ext uri="{FF2B5EF4-FFF2-40B4-BE49-F238E27FC236}">
+                <a16:creationId xmlns:a16="http://schemas.microsoft.com/office/drawing/2014/main" id="{2F4ABB08-208A-2DBB-EEDC-B163FBDB1A4D}"/>
+              </a:ext>
+            </a:extLst>
+          </p:cNvPr>
+          <p:cNvSpPr txBox="1"/>
+          <p:nvPr/>
+        </p:nvSpPr>
+        <p:spPr>
+          <a:xfrm>
+            <a:off x="942109" y="1690688"/>
+            <a:ext cx="5938982" cy="3139321"/>
+          </a:xfrm>
+          <a:prstGeom prst="rect">
+            <a:avLst/>
+          </a:prstGeom>
+          <a:noFill/>
+        </p:spPr>
+        <p:txBody>
+          <a:bodyPr wrap="square" rtlCol="0">
+            <a:spAutoFit/>
+          </a:bodyPr>
+          <a:lstStyle/>
+          <a:p>
+            <a:pPr marL="285750" indent="-285750">
+              <a:buFont typeface="Arial" panose="020B0604020202020204" pitchFamily="34" charset="0"/>
+              <a:buChar char="•"/>
+            </a:pPr>
+            <a:r>
+              <a:rPr lang="en-GB" dirty="0"/>
+              <a:t>Refined basic concepts</a:t>
+            </a:r>
+          </a:p>
+          <a:p>
+            <a:pPr marL="285750" indent="-285750">
+              <a:buFont typeface="Arial" panose="020B0604020202020204" pitchFamily="34" charset="0"/>
+              <a:buChar char="•"/>
+            </a:pPr>
+            <a:r>
+              <a:rPr lang="en-GB" dirty="0"/>
+              <a:t>Decided to use hearts instead of health bar</a:t>
+            </a:r>
+          </a:p>
+          <a:p>
+            <a:pPr marL="285750" indent="-285750">
+              <a:buFont typeface="Arial" panose="020B0604020202020204" pitchFamily="34" charset="0"/>
+              <a:buChar char="•"/>
+            </a:pPr>
+            <a:r>
+              <a:rPr lang="en-GB" dirty="0"/>
+              <a:t>Decided to include meta progression in the form of upgrading the player character</a:t>
+            </a:r>
+          </a:p>
+          <a:p>
+            <a:pPr marL="285750" indent="-285750">
+              <a:buFont typeface="Arial" panose="020B0604020202020204" pitchFamily="34" charset="0"/>
+              <a:buChar char="•"/>
+            </a:pPr>
+            <a:r>
+              <a:rPr lang="en-GB" dirty="0"/>
+              <a:t>Decided on having 3 main enemy types, with sub types within them.</a:t>
+            </a:r>
+          </a:p>
+          <a:p>
+            <a:pPr marL="285750" indent="-285750">
+              <a:buFont typeface="Arial" panose="020B0604020202020204" pitchFamily="34" charset="0"/>
+              <a:buChar char="•"/>
+            </a:pPr>
+            <a:r>
+              <a:rPr lang="en-GB" dirty="0"/>
+              <a:t>Decided how the camera will function</a:t>
+            </a:r>
+          </a:p>
+          <a:p>
+            <a:pPr marL="285750" indent="-285750">
+              <a:buFont typeface="Arial" panose="020B0604020202020204" pitchFamily="34" charset="0"/>
+              <a:buChar char="•"/>
+            </a:pPr>
+            <a:r>
+              <a:rPr lang="en-GB" dirty="0"/>
+              <a:t>Enemies will drop a scroll containers that can be shot to heal</a:t>
+            </a:r>
+          </a:p>
+          <a:p>
+            <a:pPr marL="285750" indent="-285750">
+              <a:buFont typeface="Arial" panose="020B0604020202020204" pitchFamily="34" charset="0"/>
+              <a:buChar char="•"/>
+            </a:pPr>
+            <a:r>
+              <a:rPr lang="en-GB" dirty="0"/>
+              <a:t>Obstacles will drop resources used in the meta progression</a:t>
+            </a:r>
+          </a:p>
+        </p:txBody>
+      </p:sp>
+    </p:spTree>
+    <p:extLst>
+      <p:ext uri="{BB962C8B-B14F-4D97-AF65-F5344CB8AC3E}">
+        <p14:creationId xmlns:p14="http://schemas.microsoft.com/office/powerpoint/2010/main" val="1233116408"/>
       </p:ext>
     </p:extLst>
   </p:cSld>
